--- a/Arm Bandit.pptx
+++ b/Arm Bandit.pptx
@@ -6902,7 +6902,7 @@
             <a:fld id="{B61BEF0D-F0BB-DE4B-95CE-6DB70DBA9567}" type="datetimeFigureOut">
               <a:rPr lang="en-US" dirty="0"/>
               <a:pPr/>
-              <a:t>7/2/24</a:t>
+              <a:t>7/24/24</a:t>
             </a:fld>
             <a:endParaRPr lang="en-US" dirty="0"/>
           </a:p>
@@ -7150,7 +7150,7 @@
             <a:fld id="{B61BEF0D-F0BB-DE4B-95CE-6DB70DBA9567}" type="datetimeFigureOut">
               <a:rPr lang="en-US" dirty="0"/>
               <a:pPr/>
-              <a:t>7/2/24</a:t>
+              <a:t>7/24/24</a:t>
             </a:fld>
             <a:endParaRPr lang="en-US" dirty="0"/>
           </a:p>
@@ -7461,7 +7461,7 @@
             <a:fld id="{B61BEF0D-F0BB-DE4B-95CE-6DB70DBA9567}" type="datetimeFigureOut">
               <a:rPr lang="en-US" dirty="0"/>
               <a:pPr/>
-              <a:t>7/2/24</a:t>
+              <a:t>7/24/24</a:t>
             </a:fld>
             <a:endParaRPr lang="en-US" dirty="0"/>
           </a:p>
@@ -7799,7 +7799,7 @@
             <a:fld id="{B61BEF0D-F0BB-DE4B-95CE-6DB70DBA9567}" type="datetimeFigureOut">
               <a:rPr lang="en-US" dirty="0"/>
               <a:pPr/>
-              <a:t>7/2/24</a:t>
+              <a:t>7/24/24</a:t>
             </a:fld>
             <a:endParaRPr lang="en-US" dirty="0"/>
           </a:p>
@@ -8110,7 +8110,7 @@
             <a:fld id="{B61BEF0D-F0BB-DE4B-95CE-6DB70DBA9567}" type="datetimeFigureOut">
               <a:rPr lang="en-US" dirty="0"/>
               <a:pPr/>
-              <a:t>7/2/24</a:t>
+              <a:t>7/24/24</a:t>
             </a:fld>
             <a:endParaRPr lang="en-US" dirty="0"/>
           </a:p>
@@ -8500,7 +8500,7 @@
             <a:fld id="{B61BEF0D-F0BB-DE4B-95CE-6DB70DBA9567}" type="datetimeFigureOut">
               <a:rPr lang="en-US" dirty="0"/>
               <a:pPr/>
-              <a:t>7/2/24</a:t>
+              <a:t>7/24/24</a:t>
             </a:fld>
             <a:endParaRPr lang="en-US" dirty="0"/>
           </a:p>
@@ -8666,7 +8666,7 @@
           <a:p>
             <a:fld id="{55C6B4A9-1611-4792-9094-5F34BCA07E0B}" type="datetimeFigureOut">
               <a:rPr lang="en-US" dirty="0"/>
-              <a:t>7/2/24</a:t>
+              <a:t>7/24/24</a:t>
             </a:fld>
             <a:endParaRPr lang="en-US" dirty="0"/>
           </a:p>
@@ -8842,7 +8842,7 @@
             <a:fld id="{B61BEF0D-F0BB-DE4B-95CE-6DB70DBA9567}" type="datetimeFigureOut">
               <a:rPr lang="en-US" dirty="0"/>
               <a:pPr/>
-              <a:t>7/2/24</a:t>
+              <a:t>7/24/24</a:t>
             </a:fld>
             <a:endParaRPr lang="en-US" dirty="0"/>
           </a:p>
@@ -9015,7 +9015,7 @@
             <a:fld id="{B61BEF0D-F0BB-DE4B-95CE-6DB70DBA9567}" type="datetimeFigureOut">
               <a:rPr lang="en-US" dirty="0"/>
               <a:pPr/>
-              <a:t>7/2/24</a:t>
+              <a:t>7/24/24</a:t>
             </a:fld>
             <a:endParaRPr lang="en-US" dirty="0"/>
           </a:p>
@@ -9259,7 +9259,7 @@
             <a:fld id="{B61BEF0D-F0BB-DE4B-95CE-6DB70DBA9567}" type="datetimeFigureOut">
               <a:rPr lang="en-US" dirty="0"/>
               <a:pPr/>
-              <a:t>7/2/24</a:t>
+              <a:t>7/24/24</a:t>
             </a:fld>
             <a:endParaRPr lang="en-US" dirty="0"/>
           </a:p>
@@ -9487,7 +9487,7 @@
           <a:p>
             <a:fld id="{EB712588-04B1-427B-82EE-E8DB90309F08}" type="datetimeFigureOut">
               <a:rPr lang="en-US" dirty="0"/>
-              <a:t>7/2/24</a:t>
+              <a:t>7/24/24</a:t>
             </a:fld>
             <a:endParaRPr lang="en-US" dirty="0"/>
           </a:p>
@@ -9857,7 +9857,7 @@
             <a:fld id="{B61BEF0D-F0BB-DE4B-95CE-6DB70DBA9567}" type="datetimeFigureOut">
               <a:rPr lang="en-US" dirty="0"/>
               <a:pPr/>
-              <a:t>7/2/24</a:t>
+              <a:t>7/24/24</a:t>
             </a:fld>
             <a:endParaRPr lang="en-US" dirty="0"/>
           </a:p>
@@ -9977,7 +9977,7 @@
             <a:fld id="{B61BEF0D-F0BB-DE4B-95CE-6DB70DBA9567}" type="datetimeFigureOut">
               <a:rPr lang="en-US" dirty="0"/>
               <a:pPr/>
-              <a:t>7/2/24</a:t>
+              <a:t>7/24/24</a:t>
             </a:fld>
             <a:endParaRPr lang="en-US" dirty="0"/>
           </a:p>
@@ -10069,7 +10069,7 @@
             <a:fld id="{B61BEF0D-F0BB-DE4B-95CE-6DB70DBA9567}" type="datetimeFigureOut">
               <a:rPr lang="en-US" dirty="0"/>
               <a:pPr/>
-              <a:t>7/2/24</a:t>
+              <a:t>7/24/24</a:t>
             </a:fld>
             <a:endParaRPr lang="en-US" dirty="0"/>
           </a:p>
@@ -10320,7 +10320,7 @@
           <a:p>
             <a:fld id="{42A54C80-263E-416B-A8E0-580EDEADCBDC}" type="datetimeFigureOut">
               <a:rPr lang="en-US" dirty="0"/>
-              <a:t>7/2/24</a:t>
+              <a:t>7/24/24</a:t>
             </a:fld>
             <a:endParaRPr lang="en-US" dirty="0"/>
           </a:p>
@@ -10579,7 +10579,7 @@
             <a:fld id="{B61BEF0D-F0BB-DE4B-95CE-6DB70DBA9567}" type="datetimeFigureOut">
               <a:rPr lang="en-US" dirty="0"/>
               <a:pPr/>
-              <a:t>7/2/24</a:t>
+              <a:t>7/24/24</a:t>
             </a:fld>
             <a:endParaRPr lang="en-US" dirty="0"/>
           </a:p>
@@ -11319,7 +11319,7 @@
             <a:fld id="{B61BEF0D-F0BB-DE4B-95CE-6DB70DBA9567}" type="datetimeFigureOut">
               <a:rPr lang="en-US" dirty="0"/>
               <a:pPr/>
-              <a:t>7/2/24</a:t>
+              <a:t>7/24/24</a:t>
             </a:fld>
             <a:endParaRPr lang="en-US" dirty="0"/>
           </a:p>
@@ -12263,8 +12263,8 @@
         </p:nvSpPr>
         <p:spPr>
           <a:xfrm>
-            <a:off x="7534654" y="1892300"/>
-            <a:ext cx="3425445" cy="3073400"/>
+            <a:off x="7521791" y="1946728"/>
+            <a:ext cx="3827612" cy="3073400"/>
           </a:xfrm>
         </p:spPr>
         <p:txBody>
@@ -12273,14 +12273,45 @@
           </a:bodyPr>
           <a:lstStyle/>
           <a:p>
-            <a:pPr algn="l"/>
+            <a:pPr marL="342900" indent="-342900" algn="l">
+              <a:buFont typeface="Arial" panose="020B0604020202020204" pitchFamily="34" charset="0"/>
+              <a:buChar char="•"/>
+            </a:pPr>
             <a:r>
-              <a:rPr lang="it-IT" sz="2000">
+              <a:rPr lang="it-IT" sz="2000" dirty="0">
                 <a:solidFill>
                   <a:srgbClr val="FFFFFF"/>
                 </a:solidFill>
               </a:rPr>
-              <a:t>Assignment 1 – Machine Reinforcment Learning</a:t>
+              <a:t>Alessandra Carmanini</a:t>
+            </a:r>
+          </a:p>
+          <a:p>
+            <a:pPr marL="342900" indent="-342900" algn="l">
+              <a:buFont typeface="Arial" panose="020B0604020202020204" pitchFamily="34" charset="0"/>
+              <a:buChar char="•"/>
+            </a:pPr>
+            <a:r>
+              <a:rPr lang="it-IT" sz="2000" dirty="0">
+                <a:solidFill>
+                  <a:srgbClr val="FFFFFF"/>
+                </a:solidFill>
+              </a:rPr>
+              <a:t>Ilaria Costa</a:t>
+            </a:r>
+          </a:p>
+          <a:p>
+            <a:pPr marL="342900" indent="-342900" algn="l">
+              <a:buFont typeface="Arial" panose="020B0604020202020204" pitchFamily="34" charset="0"/>
+              <a:buChar char="•"/>
+            </a:pPr>
+            <a:r>
+              <a:rPr lang="it-IT" sz="2000" dirty="0">
+                <a:solidFill>
+                  <a:srgbClr val="FFFFFF"/>
+                </a:solidFill>
+              </a:rPr>
+              <a:t>Maria Costanza Giacona</a:t>
             </a:r>
           </a:p>
         </p:txBody>
@@ -12431,7 +12462,12 @@
             <p:ph type="title"/>
           </p:nvPr>
         </p:nvSpPr>
-        <p:spPr/>
+        <p:spPr>
+          <a:xfrm>
+            <a:off x="677334" y="609600"/>
+            <a:ext cx="8596668" cy="695093"/>
+          </a:xfrm>
+        </p:spPr>
         <p:txBody>
           <a:bodyPr/>
           <a:lstStyle/>

--- a/Arm Bandit.pptx
+++ b/Arm Bandit.pptx
@@ -6902,7 +6902,7 @@
             <a:fld id="{B61BEF0D-F0BB-DE4B-95CE-6DB70DBA9567}" type="datetimeFigureOut">
               <a:rPr lang="en-US" dirty="0"/>
               <a:pPr/>
-              <a:t>7/24/24</a:t>
+              <a:t>7/25/24</a:t>
             </a:fld>
             <a:endParaRPr lang="en-US" dirty="0"/>
           </a:p>
@@ -7150,7 +7150,7 @@
             <a:fld id="{B61BEF0D-F0BB-DE4B-95CE-6DB70DBA9567}" type="datetimeFigureOut">
               <a:rPr lang="en-US" dirty="0"/>
               <a:pPr/>
-              <a:t>7/24/24</a:t>
+              <a:t>7/25/24</a:t>
             </a:fld>
             <a:endParaRPr lang="en-US" dirty="0"/>
           </a:p>
@@ -7461,7 +7461,7 @@
             <a:fld id="{B61BEF0D-F0BB-DE4B-95CE-6DB70DBA9567}" type="datetimeFigureOut">
               <a:rPr lang="en-US" dirty="0"/>
               <a:pPr/>
-              <a:t>7/24/24</a:t>
+              <a:t>7/25/24</a:t>
             </a:fld>
             <a:endParaRPr lang="en-US" dirty="0"/>
           </a:p>
@@ -7799,7 +7799,7 @@
             <a:fld id="{B61BEF0D-F0BB-DE4B-95CE-6DB70DBA9567}" type="datetimeFigureOut">
               <a:rPr lang="en-US" dirty="0"/>
               <a:pPr/>
-              <a:t>7/24/24</a:t>
+              <a:t>7/25/24</a:t>
             </a:fld>
             <a:endParaRPr lang="en-US" dirty="0"/>
           </a:p>
@@ -8110,7 +8110,7 @@
             <a:fld id="{B61BEF0D-F0BB-DE4B-95CE-6DB70DBA9567}" type="datetimeFigureOut">
               <a:rPr lang="en-US" dirty="0"/>
               <a:pPr/>
-              <a:t>7/24/24</a:t>
+              <a:t>7/25/24</a:t>
             </a:fld>
             <a:endParaRPr lang="en-US" dirty="0"/>
           </a:p>
@@ -8500,7 +8500,7 @@
             <a:fld id="{B61BEF0D-F0BB-DE4B-95CE-6DB70DBA9567}" type="datetimeFigureOut">
               <a:rPr lang="en-US" dirty="0"/>
               <a:pPr/>
-              <a:t>7/24/24</a:t>
+              <a:t>7/25/24</a:t>
             </a:fld>
             <a:endParaRPr lang="en-US" dirty="0"/>
           </a:p>
@@ -8666,7 +8666,7 @@
           <a:p>
             <a:fld id="{55C6B4A9-1611-4792-9094-5F34BCA07E0B}" type="datetimeFigureOut">
               <a:rPr lang="en-US" dirty="0"/>
-              <a:t>7/24/24</a:t>
+              <a:t>7/25/24</a:t>
             </a:fld>
             <a:endParaRPr lang="en-US" dirty="0"/>
           </a:p>
@@ -8842,7 +8842,7 @@
             <a:fld id="{B61BEF0D-F0BB-DE4B-95CE-6DB70DBA9567}" type="datetimeFigureOut">
               <a:rPr lang="en-US" dirty="0"/>
               <a:pPr/>
-              <a:t>7/24/24</a:t>
+              <a:t>7/25/24</a:t>
             </a:fld>
             <a:endParaRPr lang="en-US" dirty="0"/>
           </a:p>
@@ -9015,7 +9015,7 @@
             <a:fld id="{B61BEF0D-F0BB-DE4B-95CE-6DB70DBA9567}" type="datetimeFigureOut">
               <a:rPr lang="en-US" dirty="0"/>
               <a:pPr/>
-              <a:t>7/24/24</a:t>
+              <a:t>7/25/24</a:t>
             </a:fld>
             <a:endParaRPr lang="en-US" dirty="0"/>
           </a:p>
@@ -9259,7 +9259,7 @@
             <a:fld id="{B61BEF0D-F0BB-DE4B-95CE-6DB70DBA9567}" type="datetimeFigureOut">
               <a:rPr lang="en-US" dirty="0"/>
               <a:pPr/>
-              <a:t>7/24/24</a:t>
+              <a:t>7/25/24</a:t>
             </a:fld>
             <a:endParaRPr lang="en-US" dirty="0"/>
           </a:p>
@@ -9487,7 +9487,7 @@
           <a:p>
             <a:fld id="{EB712588-04B1-427B-82EE-E8DB90309F08}" type="datetimeFigureOut">
               <a:rPr lang="en-US" dirty="0"/>
-              <a:t>7/24/24</a:t>
+              <a:t>7/25/24</a:t>
             </a:fld>
             <a:endParaRPr lang="en-US" dirty="0"/>
           </a:p>
@@ -9857,7 +9857,7 @@
             <a:fld id="{B61BEF0D-F0BB-DE4B-95CE-6DB70DBA9567}" type="datetimeFigureOut">
               <a:rPr lang="en-US" dirty="0"/>
               <a:pPr/>
-              <a:t>7/24/24</a:t>
+              <a:t>7/25/24</a:t>
             </a:fld>
             <a:endParaRPr lang="en-US" dirty="0"/>
           </a:p>
@@ -9977,7 +9977,7 @@
             <a:fld id="{B61BEF0D-F0BB-DE4B-95CE-6DB70DBA9567}" type="datetimeFigureOut">
               <a:rPr lang="en-US" dirty="0"/>
               <a:pPr/>
-              <a:t>7/24/24</a:t>
+              <a:t>7/25/24</a:t>
             </a:fld>
             <a:endParaRPr lang="en-US" dirty="0"/>
           </a:p>
@@ -10069,7 +10069,7 @@
             <a:fld id="{B61BEF0D-F0BB-DE4B-95CE-6DB70DBA9567}" type="datetimeFigureOut">
               <a:rPr lang="en-US" dirty="0"/>
               <a:pPr/>
-              <a:t>7/24/24</a:t>
+              <a:t>7/25/24</a:t>
             </a:fld>
             <a:endParaRPr lang="en-US" dirty="0"/>
           </a:p>
@@ -10320,7 +10320,7 @@
           <a:p>
             <a:fld id="{42A54C80-263E-416B-A8E0-580EDEADCBDC}" type="datetimeFigureOut">
               <a:rPr lang="en-US" dirty="0"/>
-              <a:t>7/24/24</a:t>
+              <a:t>7/25/24</a:t>
             </a:fld>
             <a:endParaRPr lang="en-US" dirty="0"/>
           </a:p>
@@ -10579,7 +10579,7 @@
             <a:fld id="{B61BEF0D-F0BB-DE4B-95CE-6DB70DBA9567}" type="datetimeFigureOut">
               <a:rPr lang="en-US" dirty="0"/>
               <a:pPr/>
-              <a:t>7/24/24</a:t>
+              <a:t>7/25/24</a:t>
             </a:fld>
             <a:endParaRPr lang="en-US" dirty="0"/>
           </a:p>
@@ -11319,7 +11319,7 @@
             <a:fld id="{B61BEF0D-F0BB-DE4B-95CE-6DB70DBA9567}" type="datetimeFigureOut">
               <a:rPr lang="en-US" dirty="0"/>
               <a:pPr/>
-              <a:t>7/24/24</a:t>
+              <a:t>7/25/24</a:t>
             </a:fld>
             <a:endParaRPr lang="en-US" dirty="0"/>
           </a:p>
@@ -14450,7 +14450,7 @@
         </p:blipFill>
         <p:spPr>
           <a:xfrm>
-            <a:off x="1352154" y="1355778"/>
+            <a:off x="2061601" y="1270000"/>
             <a:ext cx="5828134" cy="5106928"/>
           </a:xfrm>
         </p:spPr>
@@ -14576,7 +14576,7 @@
         </p:blipFill>
         <p:spPr>
           <a:xfrm>
-            <a:off x="677334" y="1851379"/>
+            <a:off x="677334" y="1784473"/>
             <a:ext cx="8794044" cy="4835101"/>
           </a:xfrm>
           <a:prstGeom prst="rect">
@@ -24010,10 +24010,10 @@
       </p:sp>
       <p:pic>
         <p:nvPicPr>
-          <p:cNvPr id="5" name="Segnaposto contenuto 4" descr="Immagine che contiene testo, schermata, Carattere, design&#10;&#10;Descrizione generata automaticamente">
+          <p:cNvPr id="7" name="Segnaposto contenuto 6" descr="Immagine che contiene testo, schermata, Carattere, documento&#10;&#10;Descrizione generata automaticamente">
             <a:extLst>
               <a:ext uri="{FF2B5EF4-FFF2-40B4-BE49-F238E27FC236}">
-                <a16:creationId xmlns:a16="http://schemas.microsoft.com/office/drawing/2014/main" id="{87B97E14-42CE-5DE6-672C-981B760BB5E4}"/>
+                <a16:creationId xmlns:a16="http://schemas.microsoft.com/office/drawing/2014/main" id="{F76C4233-982B-2012-9ACA-84B2EA788434}"/>
               </a:ext>
             </a:extLst>
           </p:cNvPr>
@@ -24032,8 +24032,8 @@
         </p:blipFill>
         <p:spPr>
           <a:xfrm>
-            <a:off x="1051901" y="1688640"/>
-            <a:ext cx="6992830" cy="3881437"/>
+            <a:off x="2144091" y="1488281"/>
+            <a:ext cx="5454076" cy="4760119"/>
           </a:xfrm>
         </p:spPr>
       </p:pic>
